--- a/Data Analysis/Entry Level projects/data-analyst-udemy-report-writing.pptx
+++ b/Data Analysis/Entry Level projects/data-analyst-udemy-report-writing.pptx
@@ -34,38 +34,38 @@
   <p:notesSz cx="6858000" cy="9144000"/>
   <p:embeddedFontLst>
     <p:embeddedFont>
-      <p:font typeface="Maven Pro" panose="020B0604020202020204" charset="0"/>
+      <p:font typeface="Roboto" panose="020B0604020202020204" charset="0"/>
       <p:regular r:id="rId24"/>
       <p:bold r:id="rId25"/>
+      <p:italic r:id="rId26"/>
+      <p:boldItalic r:id="rId27"/>
+    </p:embeddedFont>
+    <p:embeddedFont>
+      <p:font typeface="Maven Pro" panose="020B0604020202020204" charset="0"/>
+      <p:regular r:id="rId28"/>
+      <p:bold r:id="rId29"/>
+    </p:embeddedFont>
+    <p:embeddedFont>
+      <p:font typeface="Nunito" panose="020B0604020202020204" charset="0"/>
+      <p:regular r:id="rId30"/>
+      <p:bold r:id="rId31"/>
+      <p:italic r:id="rId32"/>
+      <p:boldItalic r:id="rId33"/>
     </p:embeddedFont>
     <p:embeddedFont>
       <p:font typeface="Oswald" panose="020B0604020202020204" charset="0"/>
-      <p:regular r:id="rId26"/>
-      <p:bold r:id="rId27"/>
+      <p:regular r:id="rId34"/>
+      <p:bold r:id="rId35"/>
     </p:embeddedFont>
     <p:embeddedFont>
-      <p:font typeface="Roboto" panose="020B0604020202020204" charset="0"/>
-      <p:regular r:id="rId28"/>
-      <p:bold r:id="rId29"/>
-      <p:italic r:id="rId30"/>
-      <p:boldItalic r:id="rId31"/>
-    </p:embeddedFont>
-    <p:embeddedFont>
-      <p:font typeface="Nunito" panose="020B0604020202020204" charset="0"/>
-      <p:regular r:id="rId32"/>
-      <p:bold r:id="rId33"/>
-      <p:italic r:id="rId34"/>
-      <p:boldItalic r:id="rId35"/>
-    </p:embeddedFont>
-    <p:embeddedFont>
-      <p:font typeface="Nunito Light" panose="020B0604020202020204" charset="0"/>
+      <p:font typeface="Roboto Light" panose="020B0604020202020204" charset="0"/>
       <p:regular r:id="rId36"/>
       <p:bold r:id="rId37"/>
       <p:italic r:id="rId38"/>
       <p:boldItalic r:id="rId39"/>
     </p:embeddedFont>
     <p:embeddedFont>
-      <p:font typeface="Roboto Light" panose="020B0604020202020204" charset="0"/>
+      <p:font typeface="Nunito Light" panose="020B0604020202020204" charset="0"/>
       <p:regular r:id="rId40"/>
       <p:bold r:id="rId41"/>
       <p:italic r:id="rId42"/>
@@ -16519,9 +16519,6 @@
               </a:rPr>
               <a:t>60% of the all courses combined in the database.</a:t>
             </a:r>
-            <a:endParaRPr lang="en-ZA" dirty="0">
-              <a:latin typeface="+mn-lt"/>
-            </a:endParaRPr>
           </a:p>
         </p:txBody>
       </p:sp>
